--- a/Entrega_2/00.REPORTE/Reporte_Grupo5_old.pptx
+++ b/Entrega_2/00.REPORTE/Reporte_Grupo5_old.pptx
@@ -32,37 +32,19 @@
   <p:notesSz cx="6858000" cy="9144000"/>
   <p:embeddedFontLst>
     <p:embeddedFont>
-      <p:font typeface="Arial Black" panose="020B0604020202020204" pitchFamily="34" charset="0"/>
+      <p:font typeface="Arial Black" panose="020B0A04020102020204" pitchFamily="34" charset="0"/>
       <p:bold r:id="rId22"/>
     </p:embeddedFont>
     <p:embeddedFont>
-      <p:font typeface="Arial Rounded MT Bold" panose="020F0704030504030204" pitchFamily="34" charset="77"/>
+      <p:font typeface="Arial Rounded MT Bold" panose="020F0704030504030204" pitchFamily="34" charset="0"/>
       <p:regular r:id="rId23"/>
     </p:embeddedFont>
     <p:embeddedFont>
-      <p:font typeface="Didact Gothic" pitchFamily="2" charset="0"/>
+      <p:font typeface="Libre Franklin" pitchFamily="2" charset="0"/>
       <p:regular r:id="rId24"/>
-    </p:embeddedFont>
-    <p:embeddedFont>
-      <p:font typeface="Libre Franklin" pitchFamily="2" charset="77"/>
-      <p:regular r:id="rId25"/>
-      <p:bold r:id="rId26"/>
-      <p:italic r:id="rId27"/>
-      <p:boldItalic r:id="rId28"/>
-    </p:embeddedFont>
-    <p:embeddedFont>
-      <p:font typeface="Poppins" pitchFamily="2" charset="77"/>
-      <p:regular r:id="rId29"/>
-      <p:bold r:id="rId30"/>
-      <p:italic r:id="rId31"/>
-      <p:boldItalic r:id="rId32"/>
-    </p:embeddedFont>
-    <p:embeddedFont>
-      <p:font typeface="Raleway" pitchFamily="2" charset="77"/>
-      <p:regular r:id="rId33"/>
-      <p:bold r:id="rId34"/>
-      <p:italic r:id="rId35"/>
-      <p:boldItalic r:id="rId36"/>
+      <p:bold r:id="rId25"/>
+      <p:italic r:id="rId26"/>
+      <p:boldItalic r:id="rId27"/>
     </p:embeddedFont>
   </p:embeddedFontLst>
   <p:defaultTextStyle>
@@ -306,6 +288,43 @@
 <p:cmAuthorLst xmlns:a="http://schemas.openxmlformats.org/drawingml/2006/main" xmlns:r="http://schemas.openxmlformats.org/officeDocument/2006/relationships" xmlns:p="http://schemas.openxmlformats.org/presentationml/2006/main">
   <p:cmAuthor id="1" name="Mario Aragón Valderrama" initials="MA" lastIdx="1" clrIdx="0"/>
 </p:cmAuthorLst>
+</file>
+
+<file path=ppt/revisionInfo.xml><?xml version="1.0" encoding="utf-8"?>
+<p1510:revInfo xmlns:a="http://schemas.openxmlformats.org/drawingml/2006/main" xmlns:r="http://schemas.openxmlformats.org/officeDocument/2006/relationships" xmlns:p1510="http://schemas.microsoft.com/office/powerpoint/2015/10/main">
+  <p1510:revLst>
+    <p1510:client id="{35C41C9F-06CD-AC74-6477-F8232BBF759E}" v="2" dt="2025-12-17T13:41:34.324"/>
+  </p1510:revLst>
+</p1510:revInfo>
+</file>
+
+<file path=ppt/changesInfos/changesInfo1.xml><?xml version="1.0" encoding="utf-8"?>
+<pc:chgInfo xmlns:a="http://schemas.openxmlformats.org/drawingml/2006/main" xmlns:r="http://schemas.openxmlformats.org/officeDocument/2006/relationships" xmlns:ac="http://schemas.microsoft.com/office/drawing/2013/main/command" xmlns:pc="http://schemas.microsoft.com/office/powerpoint/2013/main/command">
+  <pc:docChgLst>
+    <pc:chgData name="Siling G" userId="c2e56b80bdc69756" providerId="Windows Live" clId="Web-{35C41C9F-06CD-AC74-6477-F8232BBF759E}"/>
+    <pc:docChg chg="modSld">
+      <pc:chgData name="Siling G" userId="c2e56b80bdc69756" providerId="Windows Live" clId="Web-{35C41C9F-06CD-AC74-6477-F8232BBF759E}" dt="2025-12-17T13:41:34.324" v="1" actId="20577"/>
+      <pc:docMkLst>
+        <pc:docMk/>
+      </pc:docMkLst>
+      <pc:sldChg chg="modSp">
+        <pc:chgData name="Siling G" userId="c2e56b80bdc69756" providerId="Windows Live" clId="Web-{35C41C9F-06CD-AC74-6477-F8232BBF759E}" dt="2025-12-17T13:41:34.324" v="1" actId="20577"/>
+        <pc:sldMkLst>
+          <pc:docMk/>
+          <pc:sldMk cId="0" sldId="285"/>
+        </pc:sldMkLst>
+        <pc:spChg chg="mod">
+          <ac:chgData name="Siling G" userId="c2e56b80bdc69756" providerId="Windows Live" clId="Web-{35C41C9F-06CD-AC74-6477-F8232BBF759E}" dt="2025-12-17T13:41:34.324" v="1" actId="20577"/>
+          <ac:spMkLst>
+            <pc:docMk/>
+            <pc:sldMk cId="0" sldId="285"/>
+            <ac:spMk id="4" creationId="{00000000-0000-0000-0000-000000000000}"/>
+          </ac:spMkLst>
+        </pc:spChg>
+      </pc:sldChg>
+    </pc:docChg>
+  </pc:docChgLst>
+</pc:chgInfo>
 </file>
 
 <file path=ppt/diagrams/colors1.xml><?xml version="1.0" encoding="utf-8"?>
@@ -15477,7 +15496,7 @@
               <a:t>Guo</a:t>
             </a:r>
             <a:r>
-              <a:rPr lang="es-ES" dirty="0">
+              <a:rPr lang="es-ES">
                 <a:solidFill>
                   <a:schemeClr val="tx1"/>
                 </a:solidFill>
@@ -15485,16 +15504,22 @@
               <a:t> (</a:t>
             </a:r>
             <a:r>
-              <a:rPr lang="es-ES" dirty="0">
+              <a:rPr lang="es-ES">
                 <a:solidFill>
                   <a:schemeClr val="tx1"/>
                 </a:solidFill>
-                <a:hlinkClick r:id="rId5"/>
+                <a:hlinkClick r:id="rId5">
+                  <a:extLst>
+                    <a:ext uri="{A12FA001-AC4F-418D-AE19-62706E023703}">
+                      <ahyp:hlinkClr xmlns:ahyp="http://schemas.microsoft.com/office/drawing/2018/hyperlinkcolor" val="tx"/>
+                    </a:ext>
+                  </a:extLst>
+                </a:hlinkClick>
               </a:rPr>
-              <a:t>siling.guo@estudiantat.ub.edu</a:t>
-            </a:r>
-            <a:r>
-              <a:rPr lang="es-ES" dirty="0">
+              <a:t>siling.guo@estudiantat.upc.edu</a:t>
+            </a:r>
+            <a:r>
+              <a:rPr lang="es-ES">
                 <a:solidFill>
                   <a:schemeClr val="tx1"/>
                 </a:solidFill>
